--- a/4_Spark_Production/Spark_Production.pptx
+++ b/4_Spark_Production/Spark_Production.pptx
@@ -9317,7 +9317,9 @@
         </p:nvSpPr>
         <p:spPr/>
         <p:txBody>
-          <a:bodyPr/>
+          <a:bodyPr>
+            <a:normAutofit fontScale="92500" lnSpcReduction="20000"/>
+          </a:bodyPr>
           <a:lstStyle/>
           <a:p>
             <a:r>
@@ -9360,6 +9362,36 @@
               <a:rPr lang="en-US" dirty="0"/>
               <a:t>-&gt; driver is automatically restarted if it fails.</a:t>
             </a:r>
+          </a:p>
+          <a:p>
+            <a:r>
+              <a:rPr lang="en-US" dirty="0"/>
+              <a:t>Other options, see also </a:t>
+            </a:r>
+            <a:r>
+              <a:rPr lang="en-US" dirty="0">
+                <a:hlinkClick r:id="rId3"/>
+              </a:rPr>
+              <a:t>https://spark.apache.org/docs/latest/submitting-applications.html</a:t>
+            </a:r>
+            <a:endParaRPr lang="en-US" dirty="0"/>
+          </a:p>
+          <a:p>
+            <a:pPr lvl="1"/>
+            <a:r>
+              <a:rPr lang="en-US" i="1" dirty="0"/>
+              <a:t>--executor-memory 20G</a:t>
+            </a:r>
+          </a:p>
+          <a:p>
+            <a:pPr lvl="1"/>
+            <a:r>
+              <a:rPr lang="en-US" i="1" dirty="0"/>
+              <a:t>--total-executor-cores 100</a:t>
+            </a:r>
+          </a:p>
+          <a:p>
+            <a:pPr lvl="1"/>
             <a:endParaRPr lang="en-US" i="1" dirty="0"/>
           </a:p>
           <a:p>
@@ -11850,6 +11882,15 @@
 </file>
 
 <file path=customXml/item2.xml><?xml version="1.0" encoding="utf-8"?>
+<?mso-contentType ?>
+<FormTemplates xmlns="http://schemas.microsoft.com/sharepoint/v3/contenttype/forms">
+  <Display>DocumentLibraryForm</Display>
+  <Edit>DocumentLibraryForm</Edit>
+  <New>DocumentLibraryForm</New>
+</FormTemplates>
+</file>
+
+<file path=customXml/item3.xml><?xml version="1.0" encoding="utf-8"?>
 <ct:contentTypeSchema xmlns:ct="http://schemas.microsoft.com/office/2006/metadata/contentType" xmlns:ma="http://schemas.microsoft.com/office/2006/metadata/properties/metaAttributes" ct:_="" ma:_="" ma:contentTypeName="Document" ma:contentTypeID="0x010100172A58547029454AB19C4743817AE4E4" ma:contentTypeVersion="4" ma:contentTypeDescription="Create a new document." ma:contentTypeScope="" ma:versionID="fcb8c4a679d8ace45ceb166f3c894db4">
   <xsd:schema xmlns:xsd="http://www.w3.org/2001/XMLSchema" xmlns:xs="http://www.w3.org/2001/XMLSchema" xmlns:p="http://schemas.microsoft.com/office/2006/metadata/properties" xmlns:ns2="ec6ec6ed-b5e9-44ae-a1e4-02d3a5f2b088" xmlns:ns3="f9d38366-44fa-4455-b38c-7d58d880822d" targetNamespace="http://schemas.microsoft.com/office/2006/metadata/properties" ma:root="true" ma:fieldsID="32794913e6579e7cdd79cea120e27724" ns2:_="" ns3:_="">
     <xsd:import namespace="ec6ec6ed-b5e9-44ae-a1e4-02d3a5f2b088"/>
@@ -12014,15 +12055,6 @@
 </ct:contentTypeSchema>
 </file>
 
-<file path=customXml/item3.xml><?xml version="1.0" encoding="utf-8"?>
-<?mso-contentType ?>
-<FormTemplates xmlns="http://schemas.microsoft.com/sharepoint/v3/contenttype/forms">
-  <Display>DocumentLibraryForm</Display>
-  <Edit>DocumentLibraryForm</Edit>
-  <New>DocumentLibraryForm</New>
-</FormTemplates>
-</file>
-
 <file path=customXml/itemProps1.xml><?xml version="1.0" encoding="utf-8"?>
 <ds:datastoreItem xmlns:ds="http://schemas.openxmlformats.org/officeDocument/2006/customXml" ds:itemID="{FC42EE84-F11C-42C7-AEE1-990C959312CE}">
   <ds:schemaRefs>
@@ -12041,6 +12073,14 @@
 </file>
 
 <file path=customXml/itemProps2.xml><?xml version="1.0" encoding="utf-8"?>
+<ds:datastoreItem xmlns:ds="http://schemas.openxmlformats.org/officeDocument/2006/customXml" ds:itemID="{CF9D2C0E-8EC1-40ED-8E3B-49799F2A819F}">
+  <ds:schemaRefs>
+    <ds:schemaRef ds:uri="http://schemas.microsoft.com/sharepoint/v3/contenttype/forms"/>
+  </ds:schemaRefs>
+</ds:datastoreItem>
+</file>
+
+<file path=customXml/itemProps3.xml><?xml version="1.0" encoding="utf-8"?>
 <ds:datastoreItem xmlns:ds="http://schemas.openxmlformats.org/officeDocument/2006/customXml" ds:itemID="{30BE9370-688B-43F1-8A92-30C488D0F2F6}">
   <ds:schemaRefs>
     <ds:schemaRef ds:uri="http://schemas.microsoft.com/office/2006/metadata/contentType"/>
@@ -12057,12 +12097,4 @@
     <ds:schemaRef ds:uri="http://schemas.microsoft.com/internal/obd"/>
   </ds:schemaRefs>
 </ds:datastoreItem>
-</file>
-
-<file path=customXml/itemProps3.xml><?xml version="1.0" encoding="utf-8"?>
-<ds:datastoreItem xmlns:ds="http://schemas.openxmlformats.org/officeDocument/2006/customXml" ds:itemID="{CF9D2C0E-8EC1-40ED-8E3B-49799F2A819F}">
-  <ds:schemaRefs>
-    <ds:schemaRef ds:uri="http://schemas.microsoft.com/sharepoint/v3/contenttype/forms"/>
-  </ds:schemaRefs>
-</ds:datastoreItem>
 </file>
--- a/4_Spark_Production/Spark_Production.pptx
+++ b/4_Spark_Production/Spark_Production.pptx
@@ -6,7 +6,7 @@
     <p:sldMasterId id="2147483660" r:id="rId5"/>
   </p:sldMasterIdLst>
   <p:notesMasterIdLst>
-    <p:notesMasterId r:id="rId17"/>
+    <p:notesMasterId r:id="rId19"/>
   </p:notesMasterIdLst>
   <p:sldIdLst>
     <p:sldId id="260" r:id="rId6"/>
@@ -20,6 +20,8 @@
     <p:sldId id="366" r:id="rId14"/>
     <p:sldId id="368" r:id="rId15"/>
     <p:sldId id="367" r:id="rId16"/>
+    <p:sldId id="369" r:id="rId17"/>
+    <p:sldId id="371" r:id="rId18"/>
   </p:sldIdLst>
   <p:sldSz cx="9144000" cy="5143500" type="screen16x9"/>
   <p:notesSz cx="6858000" cy="9144000"/>
@@ -9613,6 +9615,382 @@
     <p:extLst>
       <p:ext uri="{BB962C8B-B14F-4D97-AF65-F5344CB8AC3E}">
         <p14:creationId xmlns:p14="http://schemas.microsoft.com/office/powerpoint/2010/main" val="4138015751"/>
+      </p:ext>
+    </p:extLst>
+  </p:cSld>
+  <p:clrMapOvr>
+    <a:masterClrMapping/>
+  </p:clrMapOvr>
+</p:sld>
+</file>
+
+<file path=ppt/slides/slide12.xml><?xml version="1.0" encoding="utf-8"?>
+<p:sld xmlns:a="http://schemas.openxmlformats.org/drawingml/2006/main" xmlns:r="http://schemas.openxmlformats.org/officeDocument/2006/relationships" xmlns:p="http://schemas.openxmlformats.org/presentationml/2006/main">
+  <p:cSld>
+    <p:spTree>
+      <p:nvGrpSpPr>
+        <p:cNvPr id="1" name=""/>
+        <p:cNvGrpSpPr/>
+        <p:nvPr/>
+      </p:nvGrpSpPr>
+      <p:grpSpPr>
+        <a:xfrm>
+          <a:off x="0" y="0"/>
+          <a:ext cx="0" cy="0"/>
+          <a:chOff x="0" y="0"/>
+          <a:chExt cx="0" cy="0"/>
+        </a:xfrm>
+      </p:grpSpPr>
+      <p:sp>
+        <p:nvSpPr>
+          <p:cNvPr id="2" name="Title 1">
+            <a:extLst>
+              <a:ext uri="{FF2B5EF4-FFF2-40B4-BE49-F238E27FC236}">
+                <a16:creationId xmlns:a16="http://schemas.microsoft.com/office/drawing/2014/main" id="{C78804FB-3326-4E8A-A9C9-521B323BE0F3}"/>
+              </a:ext>
+            </a:extLst>
+          </p:cNvPr>
+          <p:cNvSpPr>
+            <a:spLocks noGrp="1"/>
+          </p:cNvSpPr>
+          <p:nvPr>
+            <p:ph type="title"/>
+          </p:nvPr>
+        </p:nvSpPr>
+        <p:spPr/>
+        <p:txBody>
+          <a:bodyPr/>
+          <a:lstStyle/>
+          <a:p>
+            <a:r>
+              <a:rPr lang="en-US" dirty="0"/>
+              <a:t>Where to go from here?</a:t>
+            </a:r>
+          </a:p>
+        </p:txBody>
+      </p:sp>
+      <p:sp>
+        <p:nvSpPr>
+          <p:cNvPr id="3" name="Slide Number Placeholder 2">
+            <a:extLst>
+              <a:ext uri="{FF2B5EF4-FFF2-40B4-BE49-F238E27FC236}">
+                <a16:creationId xmlns:a16="http://schemas.microsoft.com/office/drawing/2014/main" id="{BA518F59-FA4B-4D36-951D-ECAE6724B556}"/>
+              </a:ext>
+            </a:extLst>
+          </p:cNvPr>
+          <p:cNvSpPr>
+            <a:spLocks noGrp="1"/>
+          </p:cNvSpPr>
+          <p:nvPr>
+            <p:ph type="sldNum" sz="quarter" idx="12"/>
+          </p:nvPr>
+        </p:nvSpPr>
+        <p:spPr/>
+        <p:txBody>
+          <a:bodyPr/>
+          <a:lstStyle/>
+          <a:p>
+            <a:fld id="{B2815AF8-303F-4D00-ACAF-B87E49885EE4}" type="slidenum">
+              <a:rPr lang="ro-RO" smtClean="0"/>
+              <a:pPr/>
+              <a:t>12</a:t>
+            </a:fld>
+            <a:endParaRPr lang="ro-RO"/>
+          </a:p>
+        </p:txBody>
+      </p:sp>
+      <p:sp>
+        <p:nvSpPr>
+          <p:cNvPr id="5" name="Content Placeholder 4">
+            <a:extLst>
+              <a:ext uri="{FF2B5EF4-FFF2-40B4-BE49-F238E27FC236}">
+                <a16:creationId xmlns:a16="http://schemas.microsoft.com/office/drawing/2014/main" id="{123C58D9-3592-4491-9692-CFC7B1AA2E61}"/>
+              </a:ext>
+            </a:extLst>
+          </p:cNvPr>
+          <p:cNvSpPr>
+            <a:spLocks noGrp="1"/>
+          </p:cNvSpPr>
+          <p:nvPr>
+            <p:ph idx="1"/>
+          </p:nvPr>
+        </p:nvSpPr>
+        <p:spPr/>
+        <p:txBody>
+          <a:bodyPr/>
+          <a:lstStyle/>
+          <a:p>
+            <a:r>
+              <a:rPr lang="en-US" dirty="0">
+                <a:hlinkClick r:id="rId2"/>
+              </a:rPr>
+              <a:t>https://geminisols.udemy.com/course/taming-big-data-with-spark-streaming-hands-on</a:t>
+            </a:r>
+            <a:endParaRPr lang="en-US" dirty="0"/>
+          </a:p>
+          <a:p>
+            <a:r>
+              <a:rPr lang="en-US" dirty="0"/>
+              <a:t>Functional Programming in Scala Specialization:</a:t>
+            </a:r>
+          </a:p>
+          <a:p>
+            <a:pPr lvl="1"/>
+            <a:r>
+              <a:rPr lang="en-US" dirty="0">
+                <a:hlinkClick r:id="rId3"/>
+              </a:rPr>
+              <a:t>https://www.coursera.org/specializations/scala</a:t>
+            </a:r>
+            <a:endParaRPr lang="en-US" dirty="0"/>
+          </a:p>
+          <a:p>
+            <a:pPr lvl="1"/>
+            <a:r>
+              <a:rPr lang="en-US" dirty="0"/>
+              <a:t>Set of 5 courses including a Capstone project</a:t>
+            </a:r>
+          </a:p>
+          <a:p>
+            <a:r>
+              <a:rPr lang="en-US" dirty="0"/>
+              <a:t>Big Data Analytics using Spark:</a:t>
+            </a:r>
+          </a:p>
+          <a:p>
+            <a:pPr lvl="1"/>
+            <a:r>
+              <a:rPr lang="en-US" dirty="0">
+                <a:hlinkClick r:id="rId4"/>
+              </a:rPr>
+              <a:t>https://www.edx.org/course/big-data-analytics-using-spark</a:t>
+            </a:r>
+            <a:endParaRPr lang="en-US" dirty="0"/>
+          </a:p>
+        </p:txBody>
+      </p:sp>
+    </p:spTree>
+    <p:extLst>
+      <p:ext uri="{BB962C8B-B14F-4D97-AF65-F5344CB8AC3E}">
+        <p14:creationId xmlns:p14="http://schemas.microsoft.com/office/powerpoint/2010/main" val="488153316"/>
+      </p:ext>
+    </p:extLst>
+  </p:cSld>
+  <p:clrMapOvr>
+    <a:masterClrMapping/>
+  </p:clrMapOvr>
+</p:sld>
+</file>
+
+<file path=ppt/slides/slide13.xml><?xml version="1.0" encoding="utf-8"?>
+<p:sld xmlns:a="http://schemas.openxmlformats.org/drawingml/2006/main" xmlns:r="http://schemas.openxmlformats.org/officeDocument/2006/relationships" xmlns:p="http://schemas.openxmlformats.org/presentationml/2006/main">
+  <p:cSld>
+    <p:spTree>
+      <p:nvGrpSpPr>
+        <p:cNvPr id="1" name=""/>
+        <p:cNvGrpSpPr/>
+        <p:nvPr/>
+      </p:nvGrpSpPr>
+      <p:grpSpPr>
+        <a:xfrm>
+          <a:off x="0" y="0"/>
+          <a:ext cx="0" cy="0"/>
+          <a:chOff x="0" y="0"/>
+          <a:chExt cx="0" cy="0"/>
+        </a:xfrm>
+      </p:grpSpPr>
+      <p:sp>
+        <p:nvSpPr>
+          <p:cNvPr id="2" name="Title 1">
+            <a:extLst>
+              <a:ext uri="{FF2B5EF4-FFF2-40B4-BE49-F238E27FC236}">
+                <a16:creationId xmlns:a16="http://schemas.microsoft.com/office/drawing/2014/main" id="{CD81AB63-8897-4E9C-83DD-82FFFE6C0FFE}"/>
+              </a:ext>
+            </a:extLst>
+          </p:cNvPr>
+          <p:cNvSpPr>
+            <a:spLocks noGrp="1"/>
+          </p:cNvSpPr>
+          <p:nvPr>
+            <p:ph type="title"/>
+          </p:nvPr>
+        </p:nvSpPr>
+        <p:spPr/>
+        <p:txBody>
+          <a:bodyPr/>
+          <a:lstStyle/>
+          <a:p>
+            <a:r>
+              <a:rPr lang="en-US" dirty="0"/>
+              <a:t>Where to go from here?</a:t>
+            </a:r>
+          </a:p>
+        </p:txBody>
+      </p:sp>
+      <p:sp>
+        <p:nvSpPr>
+          <p:cNvPr id="3" name="Slide Number Placeholder 2">
+            <a:extLst>
+              <a:ext uri="{FF2B5EF4-FFF2-40B4-BE49-F238E27FC236}">
+                <a16:creationId xmlns:a16="http://schemas.microsoft.com/office/drawing/2014/main" id="{8A82EB43-25F5-4EDA-AE35-A100D3418E47}"/>
+              </a:ext>
+            </a:extLst>
+          </p:cNvPr>
+          <p:cNvSpPr>
+            <a:spLocks noGrp="1"/>
+          </p:cNvSpPr>
+          <p:nvPr>
+            <p:ph type="sldNum" sz="quarter" idx="12"/>
+          </p:nvPr>
+        </p:nvSpPr>
+        <p:spPr/>
+        <p:txBody>
+          <a:bodyPr/>
+          <a:lstStyle/>
+          <a:p>
+            <a:fld id="{B2815AF8-303F-4D00-ACAF-B87E49885EE4}" type="slidenum">
+              <a:rPr lang="ro-RO" smtClean="0"/>
+              <a:pPr/>
+              <a:t>13</a:t>
+            </a:fld>
+            <a:endParaRPr lang="ro-RO"/>
+          </a:p>
+        </p:txBody>
+      </p:sp>
+      <p:pic>
+        <p:nvPicPr>
+          <p:cNvPr id="2050" name="Picture 2">
+            <a:extLst>
+              <a:ext uri="{FF2B5EF4-FFF2-40B4-BE49-F238E27FC236}">
+                <a16:creationId xmlns:a16="http://schemas.microsoft.com/office/drawing/2014/main" id="{9E5A502A-E91B-446A-A9B0-3372F369B6F8}"/>
+              </a:ext>
+            </a:extLst>
+          </p:cNvPr>
+          <p:cNvPicPr>
+            <a:picLocks noGrp="1" noChangeAspect="1" noChangeArrowheads="1"/>
+          </p:cNvPicPr>
+          <p:nvPr>
+            <p:ph idx="1"/>
+          </p:nvPr>
+        </p:nvPicPr>
+        <p:blipFill>
+          <a:blip r:embed="rId2">
+            <a:extLst>
+              <a:ext uri="{28A0092B-C50C-407E-A947-70E740481C1C}">
+                <a14:useLocalDpi xmlns:a14="http://schemas.microsoft.com/office/drawing/2010/main" val="0"/>
+              </a:ext>
+            </a:extLst>
+          </a:blip>
+          <a:srcRect/>
+          <a:stretch>
+            <a:fillRect/>
+          </a:stretch>
+        </p:blipFill>
+        <p:spPr bwMode="auto">
+          <a:xfrm>
+            <a:off x="5959359" y="1042725"/>
+            <a:ext cx="2613285" cy="3422650"/>
+          </a:xfrm>
+          <a:prstGeom prst="rect">
+            <a:avLst/>
+          </a:prstGeom>
+          <a:noFill/>
+          <a:extLst>
+            <a:ext uri="{909E8E84-426E-40DD-AFC4-6F175D3DCCD1}">
+              <a14:hiddenFill xmlns:a14="http://schemas.microsoft.com/office/drawing/2010/main">
+                <a:solidFill>
+                  <a:srgbClr val="FFFFFF"/>
+                </a:solidFill>
+              </a14:hiddenFill>
+            </a:ext>
+          </a:extLst>
+        </p:spPr>
+      </p:pic>
+      <p:sp>
+        <p:nvSpPr>
+          <p:cNvPr id="6" name="Rectangle 5">
+            <a:extLst>
+              <a:ext uri="{FF2B5EF4-FFF2-40B4-BE49-F238E27FC236}">
+                <a16:creationId xmlns:a16="http://schemas.microsoft.com/office/drawing/2014/main" id="{53ACEAE7-27C6-4F36-AED9-A3EED2CA9890}"/>
+              </a:ext>
+            </a:extLst>
+          </p:cNvPr>
+          <p:cNvSpPr/>
+          <p:nvPr/>
+        </p:nvSpPr>
+        <p:spPr>
+          <a:xfrm>
+            <a:off x="343576" y="1036739"/>
+            <a:ext cx="4572000" cy="523220"/>
+          </a:xfrm>
+          <a:prstGeom prst="rect">
+            <a:avLst/>
+          </a:prstGeom>
+        </p:spPr>
+        <p:txBody>
+          <a:bodyPr>
+            <a:spAutoFit/>
+          </a:bodyPr>
+          <a:lstStyle/>
+          <a:p>
+            <a:r>
+              <a:rPr lang="en-US" dirty="0">
+                <a:hlinkClick r:id="rId3"/>
+              </a:rPr>
+              <a:t>https://www.amazon.com/Spark-Definitive-Guide-Processing-Simple-ebook/dp/B079P71JHY</a:t>
+            </a:r>
+            <a:endParaRPr lang="en-US" dirty="0"/>
+          </a:p>
+        </p:txBody>
+      </p:sp>
+      <p:sp>
+        <p:nvSpPr>
+          <p:cNvPr id="7" name="Rectangle 6">
+            <a:extLst>
+              <a:ext uri="{FF2B5EF4-FFF2-40B4-BE49-F238E27FC236}">
+                <a16:creationId xmlns:a16="http://schemas.microsoft.com/office/drawing/2014/main" id="{9FF6AFD0-364E-4888-B840-9C082B65A195}"/>
+              </a:ext>
+            </a:extLst>
+          </p:cNvPr>
+          <p:cNvSpPr/>
+          <p:nvPr/>
+        </p:nvSpPr>
+        <p:spPr>
+          <a:xfrm>
+            <a:off x="406434" y="2103270"/>
+            <a:ext cx="4572000" cy="738664"/>
+          </a:xfrm>
+          <a:prstGeom prst="rect">
+            <a:avLst/>
+          </a:prstGeom>
+        </p:spPr>
+        <p:txBody>
+          <a:bodyPr>
+            <a:spAutoFit/>
+          </a:bodyPr>
+          <a:lstStyle/>
+          <a:p>
+            <a:r>
+              <a:rPr lang="en-US" dirty="0"/>
+              <a:t>The internals of Apache Spark book available online:</a:t>
+            </a:r>
+          </a:p>
+          <a:p>
+            <a:pPr lvl="1"/>
+            <a:r>
+              <a:rPr lang="en-US" dirty="0">
+                <a:hlinkClick r:id="rId4"/>
+              </a:rPr>
+              <a:t>https://jaceklaskowski.gitbooks.io/mastering-apache-spark/spark-architecture.html</a:t>
+            </a:r>
+            <a:endParaRPr lang="en-US" dirty="0"/>
+          </a:p>
+        </p:txBody>
+      </p:sp>
+    </p:spTree>
+    <p:extLst>
+      <p:ext uri="{BB962C8B-B14F-4D97-AF65-F5344CB8AC3E}">
+        <p14:creationId xmlns:p14="http://schemas.microsoft.com/office/powerpoint/2010/main" val="409006346"/>
       </p:ext>
     </p:extLst>
   </p:cSld>
@@ -11882,15 +12260,6 @@
 </file>
 
 <file path=customXml/item2.xml><?xml version="1.0" encoding="utf-8"?>
-<?mso-contentType ?>
-<FormTemplates xmlns="http://schemas.microsoft.com/sharepoint/v3/contenttype/forms">
-  <Display>DocumentLibraryForm</Display>
-  <Edit>DocumentLibraryForm</Edit>
-  <New>DocumentLibraryForm</New>
-</FormTemplates>
-</file>
-
-<file path=customXml/item3.xml><?xml version="1.0" encoding="utf-8"?>
 <ct:contentTypeSchema xmlns:ct="http://schemas.microsoft.com/office/2006/metadata/contentType" xmlns:ma="http://schemas.microsoft.com/office/2006/metadata/properties/metaAttributes" ct:_="" ma:_="" ma:contentTypeName="Document" ma:contentTypeID="0x010100172A58547029454AB19C4743817AE4E4" ma:contentTypeVersion="4" ma:contentTypeDescription="Create a new document." ma:contentTypeScope="" ma:versionID="fcb8c4a679d8ace45ceb166f3c894db4">
   <xsd:schema xmlns:xsd="http://www.w3.org/2001/XMLSchema" xmlns:xs="http://www.w3.org/2001/XMLSchema" xmlns:p="http://schemas.microsoft.com/office/2006/metadata/properties" xmlns:ns2="ec6ec6ed-b5e9-44ae-a1e4-02d3a5f2b088" xmlns:ns3="f9d38366-44fa-4455-b38c-7d58d880822d" targetNamespace="http://schemas.microsoft.com/office/2006/metadata/properties" ma:root="true" ma:fieldsID="32794913e6579e7cdd79cea120e27724" ns2:_="" ns3:_="">
     <xsd:import namespace="ec6ec6ed-b5e9-44ae-a1e4-02d3a5f2b088"/>
@@ -12055,6 +12424,15 @@
 </ct:contentTypeSchema>
 </file>
 
+<file path=customXml/item3.xml><?xml version="1.0" encoding="utf-8"?>
+<?mso-contentType ?>
+<FormTemplates xmlns="http://schemas.microsoft.com/sharepoint/v3/contenttype/forms">
+  <Display>DocumentLibraryForm</Display>
+  <Edit>DocumentLibraryForm</Edit>
+  <New>DocumentLibraryForm</New>
+</FormTemplates>
+</file>
+
 <file path=customXml/itemProps1.xml><?xml version="1.0" encoding="utf-8"?>
 <ds:datastoreItem xmlns:ds="http://schemas.openxmlformats.org/officeDocument/2006/customXml" ds:itemID="{FC42EE84-F11C-42C7-AEE1-990C959312CE}">
   <ds:schemaRefs>
@@ -12073,14 +12451,6 @@
 </file>
 
 <file path=customXml/itemProps2.xml><?xml version="1.0" encoding="utf-8"?>
-<ds:datastoreItem xmlns:ds="http://schemas.openxmlformats.org/officeDocument/2006/customXml" ds:itemID="{CF9D2C0E-8EC1-40ED-8E3B-49799F2A819F}">
-  <ds:schemaRefs>
-    <ds:schemaRef ds:uri="http://schemas.microsoft.com/sharepoint/v3/contenttype/forms"/>
-  </ds:schemaRefs>
-</ds:datastoreItem>
-</file>
-
-<file path=customXml/itemProps3.xml><?xml version="1.0" encoding="utf-8"?>
 <ds:datastoreItem xmlns:ds="http://schemas.openxmlformats.org/officeDocument/2006/customXml" ds:itemID="{30BE9370-688B-43F1-8A92-30C488D0F2F6}">
   <ds:schemaRefs>
     <ds:schemaRef ds:uri="http://schemas.microsoft.com/office/2006/metadata/contentType"/>
@@ -12097,4 +12467,12 @@
     <ds:schemaRef ds:uri="http://schemas.microsoft.com/internal/obd"/>
   </ds:schemaRefs>
 </ds:datastoreItem>
+</file>
+
+<file path=customXml/itemProps3.xml><?xml version="1.0" encoding="utf-8"?>
+<ds:datastoreItem xmlns:ds="http://schemas.openxmlformats.org/officeDocument/2006/customXml" ds:itemID="{CF9D2C0E-8EC1-40ED-8E3B-49799F2A819F}">
+  <ds:schemaRefs>
+    <ds:schemaRef ds:uri="http://schemas.microsoft.com/sharepoint/v3/contenttype/forms"/>
+  </ds:schemaRefs>
+</ds:datastoreItem>
 </file>
--- a/4_Spark_Production/Spark_Production.pptx
+++ b/4_Spark_Production/Spark_Production.pptx
@@ -9717,22 +9717,39 @@
         </p:nvSpPr>
         <p:spPr/>
         <p:txBody>
-          <a:bodyPr/>
+          <a:bodyPr>
+            <a:normAutofit fontScale="92500" lnSpcReduction="20000"/>
+          </a:bodyPr>
           <a:lstStyle/>
           <a:p>
+            <a:r>
+              <a:rPr lang="en-US" dirty="0"/>
+              <a:t>List of courses</a:t>
+            </a:r>
+            <a:endParaRPr lang="en-US" dirty="0">
+              <a:hlinkClick r:id="rId2"/>
+            </a:endParaRPr>
+          </a:p>
+          <a:p>
+            <a:pPr lvl="1"/>
             <a:r>
               <a:rPr lang="en-US" dirty="0">
                 <a:hlinkClick r:id="rId2"/>
               </a:rPr>
-              <a:t>https://geminisols.udemy.com/course/taming-big-data-with-spark-streaming-hands-on</a:t>
-            </a:r>
-            <a:endParaRPr lang="en-US" dirty="0"/>
+              <a:t>https://digitaldefynd.com/best-apache-spark-courses</a:t>
+            </a:r>
+            <a:endParaRPr lang="en-US" dirty="0">
+              <a:hlinkClick r:id="rId3"/>
+            </a:endParaRPr>
           </a:p>
           <a:p>
             <a:r>
               <a:rPr lang="en-US" dirty="0"/>
-              <a:t>Functional Programming in Scala Specialization:</a:t>
-            </a:r>
+              <a:t>Spark Streaming</a:t>
+            </a:r>
+            <a:endParaRPr lang="en-US" dirty="0">
+              <a:hlinkClick r:id="rId3"/>
+            </a:endParaRPr>
           </a:p>
           <a:p>
             <a:pPr lvl="1"/>
@@ -9740,6 +9757,22 @@
               <a:rPr lang="en-US" dirty="0">
                 <a:hlinkClick r:id="rId3"/>
               </a:rPr>
+              <a:t>https://geminisols.udemy.com/course/taming-big-data-with-spark-streaming-hands-on</a:t>
+            </a:r>
+            <a:endParaRPr lang="en-US" dirty="0"/>
+          </a:p>
+          <a:p>
+            <a:r>
+              <a:rPr lang="en-US" dirty="0"/>
+              <a:t>Functional Programming in Scala Specialization:</a:t>
+            </a:r>
+          </a:p>
+          <a:p>
+            <a:pPr lvl="1"/>
+            <a:r>
+              <a:rPr lang="en-US" dirty="0">
+                <a:hlinkClick r:id="rId4"/>
+              </a:rPr>
               <a:t>https://www.coursera.org/specializations/scala</a:t>
             </a:r>
             <a:endParaRPr lang="en-US" dirty="0"/>
@@ -9761,7 +9794,7 @@
             <a:pPr lvl="1"/>
             <a:r>
               <a:rPr lang="en-US" dirty="0">
-                <a:hlinkClick r:id="rId4"/>
+                <a:hlinkClick r:id="rId5"/>
               </a:rPr>
               <a:t>https://www.edx.org/course/big-data-analytics-using-spark</a:t>
             </a:r>
@@ -9920,7 +9953,7 @@
         </p:nvSpPr>
         <p:spPr>
           <a:xfrm>
-            <a:off x="343576" y="1036739"/>
+            <a:off x="406434" y="1463116"/>
             <a:ext cx="4572000" cy="523220"/>
           </a:xfrm>
           <a:prstGeom prst="rect">
@@ -12260,6 +12293,15 @@
 </file>
 
 <file path=customXml/item2.xml><?xml version="1.0" encoding="utf-8"?>
+<?mso-contentType ?>
+<FormTemplates xmlns="http://schemas.microsoft.com/sharepoint/v3/contenttype/forms">
+  <Display>DocumentLibraryForm</Display>
+  <Edit>DocumentLibraryForm</Edit>
+  <New>DocumentLibraryForm</New>
+</FormTemplates>
+</file>
+
+<file path=customXml/item3.xml><?xml version="1.0" encoding="utf-8"?>
 <ct:contentTypeSchema xmlns:ct="http://schemas.microsoft.com/office/2006/metadata/contentType" xmlns:ma="http://schemas.microsoft.com/office/2006/metadata/properties/metaAttributes" ct:_="" ma:_="" ma:contentTypeName="Document" ma:contentTypeID="0x010100172A58547029454AB19C4743817AE4E4" ma:contentTypeVersion="4" ma:contentTypeDescription="Create a new document." ma:contentTypeScope="" ma:versionID="fcb8c4a679d8ace45ceb166f3c894db4">
   <xsd:schema xmlns:xsd="http://www.w3.org/2001/XMLSchema" xmlns:xs="http://www.w3.org/2001/XMLSchema" xmlns:p="http://schemas.microsoft.com/office/2006/metadata/properties" xmlns:ns2="ec6ec6ed-b5e9-44ae-a1e4-02d3a5f2b088" xmlns:ns3="f9d38366-44fa-4455-b38c-7d58d880822d" targetNamespace="http://schemas.microsoft.com/office/2006/metadata/properties" ma:root="true" ma:fieldsID="32794913e6579e7cdd79cea120e27724" ns2:_="" ns3:_="">
     <xsd:import namespace="ec6ec6ed-b5e9-44ae-a1e4-02d3a5f2b088"/>
@@ -12424,15 +12466,6 @@
 </ct:contentTypeSchema>
 </file>
 
-<file path=customXml/item3.xml><?xml version="1.0" encoding="utf-8"?>
-<?mso-contentType ?>
-<FormTemplates xmlns="http://schemas.microsoft.com/sharepoint/v3/contenttype/forms">
-  <Display>DocumentLibraryForm</Display>
-  <Edit>DocumentLibraryForm</Edit>
-  <New>DocumentLibraryForm</New>
-</FormTemplates>
-</file>
-
 <file path=customXml/itemProps1.xml><?xml version="1.0" encoding="utf-8"?>
 <ds:datastoreItem xmlns:ds="http://schemas.openxmlformats.org/officeDocument/2006/customXml" ds:itemID="{FC42EE84-F11C-42C7-AEE1-990C959312CE}">
   <ds:schemaRefs>
@@ -12451,6 +12484,14 @@
 </file>
 
 <file path=customXml/itemProps2.xml><?xml version="1.0" encoding="utf-8"?>
+<ds:datastoreItem xmlns:ds="http://schemas.openxmlformats.org/officeDocument/2006/customXml" ds:itemID="{CF9D2C0E-8EC1-40ED-8E3B-49799F2A819F}">
+  <ds:schemaRefs>
+    <ds:schemaRef ds:uri="http://schemas.microsoft.com/sharepoint/v3/contenttype/forms"/>
+  </ds:schemaRefs>
+</ds:datastoreItem>
+</file>
+
+<file path=customXml/itemProps3.xml><?xml version="1.0" encoding="utf-8"?>
 <ds:datastoreItem xmlns:ds="http://schemas.openxmlformats.org/officeDocument/2006/customXml" ds:itemID="{30BE9370-688B-43F1-8A92-30C488D0F2F6}">
   <ds:schemaRefs>
     <ds:schemaRef ds:uri="http://schemas.microsoft.com/office/2006/metadata/contentType"/>
@@ -12467,12 +12508,4 @@
     <ds:schemaRef ds:uri="http://schemas.microsoft.com/internal/obd"/>
   </ds:schemaRefs>
 </ds:datastoreItem>
-</file>
-
-<file path=customXml/itemProps3.xml><?xml version="1.0" encoding="utf-8"?>
-<ds:datastoreItem xmlns:ds="http://schemas.openxmlformats.org/officeDocument/2006/customXml" ds:itemID="{CF9D2C0E-8EC1-40ED-8E3B-49799F2A819F}">
-  <ds:schemaRefs>
-    <ds:schemaRef ds:uri="http://schemas.microsoft.com/sharepoint/v3/contenttype/forms"/>
-  </ds:schemaRefs>
-</ds:datastoreItem>
 </file>